--- a/Presentation.pptx
+++ b/Presentation.pptx
@@ -5,12 +5,14 @@
     <p:sldMasterId id="2147483666" r:id="rId1"/>
   </p:sldMasterIdLst>
   <p:notesMasterIdLst>
-    <p:notesMasterId r:id="rId5"/>
+    <p:notesMasterId r:id="rId7"/>
   </p:notesMasterIdLst>
   <p:sldIdLst>
     <p:sldId id="308" r:id="rId2"/>
     <p:sldId id="257" r:id="rId3"/>
-    <p:sldId id="285" r:id="rId4"/>
+    <p:sldId id="309" r:id="rId4"/>
+    <p:sldId id="310" r:id="rId5"/>
+    <p:sldId id="285" r:id="rId6"/>
   </p:sldIdLst>
   <p:sldSz cx="9144000" cy="6858000" type="screen4x3"/>
   <p:notesSz cx="6858000" cy="9144000"/>
@@ -5206,8 +5208,22 @@
 </file>
 
 <file path=ppt/slides/slide1.xml><?xml version="1.0" encoding="utf-8"?>
-<p:sld xmlns:a="http://schemas.openxmlformats.org/drawingml/2006/main" xmlns:r="http://schemas.openxmlformats.org/officeDocument/2006/relationships" xmlns:p="http://schemas.openxmlformats.org/presentationml/2006/main">
+<p:sld xmlns:a="http://schemas.openxmlformats.org/drawingml/2006/main" xmlns:r="http://schemas.openxmlformats.org/officeDocument/2006/relationships" xmlns:p="http://schemas.openxmlformats.org/presentationml/2006/main" showMasterSp="0">
   <p:cSld>
+    <p:bg>
+      <p:bgPr>
+        <a:blipFill dpi="0" rotWithShape="1">
+          <a:blip r:embed="rId2">
+            <a:lum/>
+          </a:blip>
+          <a:srcRect/>
+          <a:stretch>
+            <a:fillRect l="-2000" r="-2000"/>
+          </a:stretch>
+        </a:blipFill>
+        <a:effectLst/>
+      </p:bgPr>
+    </p:bg>
     <p:spTree>
       <p:nvGrpSpPr>
         <p:cNvPr id="1" name=""/>
@@ -5232,114 +5248,225 @@
             <p:ph type="ctrTitle"/>
           </p:nvPr>
         </p:nvSpPr>
-        <p:spPr/>
+        <p:spPr>
+          <a:xfrm>
+            <a:off x="0" y="3860800"/>
+            <a:ext cx="9144000" cy="1233714"/>
+          </a:xfrm>
+        </p:spPr>
         <p:txBody>
           <a:bodyPr/>
           <a:lstStyle/>
           <a:p>
-            <a:r>
-              <a:rPr lang="en-US" dirty="0" smtClean="0"/>
-              <a:t>SVG</a:t>
-            </a:r>
-            <a:endParaRPr lang="en-US" dirty="0"/>
+            <a:pPr algn="ctr"/>
+            <a:r>
+              <a:rPr lang="en-US" sz="9600" dirty="0" smtClean="0"/>
+              <a:t>F</a:t>
+            </a:r>
+            <a:r>
+              <a:rPr lang="en-US" sz="9600" dirty="0" smtClean="0">
+                <a:effectLst/>
+              </a:rPr>
+              <a:t>ireworks</a:t>
+            </a:r>
+            <a:r>
+              <a:rPr lang="en-US" sz="9600" dirty="0"/>
+              <a:t> </a:t>
+            </a:r>
+            <a:r>
+              <a:rPr lang="en-US" sz="9600" dirty="0" smtClean="0"/>
+              <a:t>JS</a:t>
+            </a:r>
+            <a:endParaRPr lang="en-US" sz="9600" dirty="0"/>
           </a:p>
         </p:txBody>
       </p:sp>
       <p:sp>
         <p:nvSpPr>
-          <p:cNvPr id="3" name="Subtitle 2"/>
-          <p:cNvSpPr>
-            <a:spLocks noGrp="1"/>
+          <p:cNvPr id="11" name="Title 1"/>
+          <p:cNvSpPr txBox="1">
+            <a:spLocks/>
           </p:cNvSpPr>
-          <p:nvPr>
-            <p:ph type="subTitle" idx="1"/>
-          </p:nvPr>
+          <p:nvPr/>
         </p:nvSpPr>
-        <p:spPr/>
+        <p:spPr>
+          <a:xfrm>
+            <a:off x="0" y="5515429"/>
+            <a:ext cx="9144000" cy="928914"/>
+          </a:xfrm>
+          <a:prstGeom prst="rect">
+            <a:avLst/>
+          </a:prstGeom>
+        </p:spPr>
         <p:txBody>
-          <a:bodyPr/>
-          <a:lstStyle/>
-          <a:p>
-            <a:r>
-              <a:rPr lang="en-US" dirty="0" smtClean="0"/>
-              <a:t>Creating Vector Graphics in the Web</a:t>
-            </a:r>
-            <a:endParaRPr lang="en-US" dirty="0"/>
-          </a:p>
-        </p:txBody>
-      </p:sp>
-      <p:sp>
-        <p:nvSpPr>
-          <p:cNvPr id="5" name="Text Placeholder 4"/>
-          <p:cNvSpPr>
-            <a:spLocks noGrp="1"/>
-          </p:cNvSpPr>
-          <p:nvPr>
-            <p:ph type="body" sz="quarter" idx="10"/>
-          </p:nvPr>
-        </p:nvSpPr>
-        <p:spPr/>
-        <p:txBody>
-          <a:bodyPr/>
-          <a:lstStyle/>
-          <a:p>
-            <a:r>
-              <a:rPr lang="en-US" dirty="0" smtClean="0"/>
-              <a:t>Learning &amp; Development</a:t>
-            </a:r>
-            <a:endParaRPr lang="en-US" dirty="0"/>
-          </a:p>
-        </p:txBody>
-      </p:sp>
-      <p:sp>
-        <p:nvSpPr>
-          <p:cNvPr id="6" name="Text Placeholder 5"/>
-          <p:cNvSpPr>
-            <a:spLocks noGrp="1"/>
-          </p:cNvSpPr>
-          <p:nvPr>
-            <p:ph type="body" sz="quarter" idx="11"/>
-          </p:nvPr>
-        </p:nvSpPr>
-        <p:spPr/>
-        <p:txBody>
-          <a:bodyPr/>
-          <a:lstStyle/>
-          <a:p>
-            <a:r>
-              <a:rPr lang="en-US" dirty="0" smtClean="0">
-                <a:hlinkClick r:id="rId2"/>
-              </a:rPr>
-              <a:t>http://academy.telerik.com</a:t>
-            </a:r>
-            <a:r>
-              <a:rPr lang="en-US" dirty="0" smtClean="0"/>
-              <a:t> </a:t>
-            </a:r>
-            <a:endParaRPr lang="en-US" dirty="0"/>
-          </a:p>
-        </p:txBody>
-      </p:sp>
-      <p:sp>
-        <p:nvSpPr>
-          <p:cNvPr id="7" name="Text Placeholder 6"/>
-          <p:cNvSpPr>
-            <a:spLocks noGrp="1"/>
-          </p:cNvSpPr>
-          <p:nvPr>
-            <p:ph type="body" sz="quarter" idx="12"/>
-          </p:nvPr>
-        </p:nvSpPr>
-        <p:spPr/>
-        <p:txBody>
-          <a:bodyPr/>
-          <a:lstStyle/>
-          <a:p>
-            <a:r>
-              <a:rPr lang="en-US" dirty="0" smtClean="0"/>
-              <a:t>Telerik Software Academy</a:t>
-            </a:r>
-            <a:endParaRPr lang="en-US" dirty="0"/>
+          <a:bodyPr tIns="0" bIns="0" anchor="b" anchorCtr="0"/>
+          <a:lstStyle>
+            <a:lvl1pPr algn="r" rtl="0" eaLnBrk="1" fontAlgn="base" hangingPunct="1">
+              <a:lnSpc>
+                <a:spcPts val="5600"/>
+              </a:lnSpc>
+              <a:spcBef>
+                <a:spcPct val="0"/>
+              </a:spcBef>
+              <a:spcAft>
+                <a:spcPct val="0"/>
+              </a:spcAft>
+              <a:defRPr sz="5400" b="1" kern="1200" cap="none" baseline="0">
+                <a:ln w="500">
+                  <a:noFill/>
+                </a:ln>
+                <a:solidFill>
+                  <a:srgbClr val="D4FF5B"/>
+                </a:solidFill>
+                <a:effectLst>
+                  <a:outerShdw blurRad="30000" dist="30000" dir="2700000" algn="tl" rotWithShape="0">
+                    <a:schemeClr val="bg2">
+                      <a:shade val="45000"/>
+                      <a:satMod val="150000"/>
+                      <a:alpha val="90000"/>
+                    </a:schemeClr>
+                  </a:outerShdw>
+                  <a:reflection blurRad="12000" stA="20000" endPos="50000" dist="12700" dir="5400000" sy="-100000" algn="bl" rotWithShape="0"/>
+                </a:effectLst>
+                <a:latin typeface="+mj-lt"/>
+                <a:ea typeface="+mj-ea"/>
+                <a:cs typeface="+mj-cs"/>
+              </a:defRPr>
+            </a:lvl1pPr>
+            <a:lvl2pPr algn="r" rtl="0" eaLnBrk="1" fontAlgn="base" hangingPunct="1">
+              <a:spcBef>
+                <a:spcPct val="0"/>
+              </a:spcBef>
+              <a:spcAft>
+                <a:spcPct val="0"/>
+              </a:spcAft>
+              <a:defRPr sz="3000" b="1">
+                <a:solidFill>
+                  <a:schemeClr val="tx2"/>
+                </a:solidFill>
+                <a:latin typeface="Corbel" pitchFamily="34" charset="0"/>
+              </a:defRPr>
+            </a:lvl2pPr>
+            <a:lvl3pPr algn="r" rtl="0" eaLnBrk="1" fontAlgn="base" hangingPunct="1">
+              <a:spcBef>
+                <a:spcPct val="0"/>
+              </a:spcBef>
+              <a:spcAft>
+                <a:spcPct val="0"/>
+              </a:spcAft>
+              <a:defRPr sz="3000" b="1">
+                <a:solidFill>
+                  <a:schemeClr val="tx2"/>
+                </a:solidFill>
+                <a:latin typeface="Corbel" pitchFamily="34" charset="0"/>
+              </a:defRPr>
+            </a:lvl3pPr>
+            <a:lvl4pPr algn="r" rtl="0" eaLnBrk="1" fontAlgn="base" hangingPunct="1">
+              <a:spcBef>
+                <a:spcPct val="0"/>
+              </a:spcBef>
+              <a:spcAft>
+                <a:spcPct val="0"/>
+              </a:spcAft>
+              <a:defRPr sz="3000" b="1">
+                <a:solidFill>
+                  <a:schemeClr val="tx2"/>
+                </a:solidFill>
+                <a:latin typeface="Corbel" pitchFamily="34" charset="0"/>
+              </a:defRPr>
+            </a:lvl4pPr>
+            <a:lvl5pPr algn="r" rtl="0" eaLnBrk="1" fontAlgn="base" hangingPunct="1">
+              <a:spcBef>
+                <a:spcPct val="0"/>
+              </a:spcBef>
+              <a:spcAft>
+                <a:spcPct val="0"/>
+              </a:spcAft>
+              <a:defRPr sz="3000" b="1">
+                <a:solidFill>
+                  <a:schemeClr val="tx2"/>
+                </a:solidFill>
+                <a:latin typeface="Corbel" pitchFamily="34" charset="0"/>
+              </a:defRPr>
+            </a:lvl5pPr>
+            <a:lvl6pPr marL="457200" algn="r" rtl="0" eaLnBrk="1" fontAlgn="base" hangingPunct="1">
+              <a:spcBef>
+                <a:spcPct val="0"/>
+              </a:spcBef>
+              <a:spcAft>
+                <a:spcPct val="0"/>
+              </a:spcAft>
+              <a:defRPr sz="3000" b="1">
+                <a:solidFill>
+                  <a:schemeClr val="tx2"/>
+                </a:solidFill>
+                <a:latin typeface="Corbel" pitchFamily="34" charset="0"/>
+              </a:defRPr>
+            </a:lvl6pPr>
+            <a:lvl7pPr marL="914400" algn="r" rtl="0" eaLnBrk="1" fontAlgn="base" hangingPunct="1">
+              <a:spcBef>
+                <a:spcPct val="0"/>
+              </a:spcBef>
+              <a:spcAft>
+                <a:spcPct val="0"/>
+              </a:spcAft>
+              <a:defRPr sz="3000" b="1">
+                <a:solidFill>
+                  <a:schemeClr val="tx2"/>
+                </a:solidFill>
+                <a:latin typeface="Corbel" pitchFamily="34" charset="0"/>
+              </a:defRPr>
+            </a:lvl7pPr>
+            <a:lvl8pPr marL="1371600" algn="r" rtl="0" eaLnBrk="1" fontAlgn="base" hangingPunct="1">
+              <a:spcBef>
+                <a:spcPct val="0"/>
+              </a:spcBef>
+              <a:spcAft>
+                <a:spcPct val="0"/>
+              </a:spcAft>
+              <a:defRPr sz="3000" b="1">
+                <a:solidFill>
+                  <a:schemeClr val="tx2"/>
+                </a:solidFill>
+                <a:latin typeface="Corbel" pitchFamily="34" charset="0"/>
+              </a:defRPr>
+            </a:lvl8pPr>
+            <a:lvl9pPr marL="1828800" algn="r" rtl="0" eaLnBrk="1" fontAlgn="base" hangingPunct="1">
+              <a:spcBef>
+                <a:spcPct val="0"/>
+              </a:spcBef>
+              <a:spcAft>
+                <a:spcPct val="0"/>
+              </a:spcAft>
+              <a:defRPr sz="3000" b="1">
+                <a:solidFill>
+                  <a:schemeClr val="tx2"/>
+                </a:solidFill>
+                <a:latin typeface="Corbel" pitchFamily="34" charset="0"/>
+              </a:defRPr>
+            </a:lvl9pPr>
+          </a:lstStyle>
+          <a:p>
+            <a:pPr algn="ctr"/>
+            <a:r>
+              <a:rPr lang="en-US" sz="6600" dirty="0" smtClean="0">
+                <a:effectLst/>
+              </a:rPr>
+              <a:t>Team “</a:t>
+            </a:r>
+            <a:r>
+              <a:rPr lang="en-US" sz="6600" dirty="0" err="1" smtClean="0">
+                <a:effectLst/>
+              </a:rPr>
+              <a:t>Daegon</a:t>
+            </a:r>
+            <a:r>
+              <a:rPr lang="en-US" sz="6600" dirty="0" smtClean="0">
+                <a:effectLst/>
+              </a:rPr>
+              <a:t>”</a:t>
+            </a:r>
+            <a:endParaRPr lang="en-US" sz="6600" dirty="0"/>
           </a:p>
         </p:txBody>
       </p:sp>
@@ -5390,14 +5517,20 @@
             <p:ph type="title"/>
           </p:nvPr>
         </p:nvSpPr>
-        <p:spPr/>
+        <p:spPr>
+          <a:xfrm>
+            <a:off x="228600" y="830943"/>
+            <a:ext cx="8686800" cy="838200"/>
+          </a:xfrm>
+        </p:spPr>
         <p:txBody>
           <a:bodyPr/>
           <a:lstStyle/>
           <a:p>
+            <a:pPr algn="l"/>
             <a:r>
               <a:rPr lang="en-US" dirty="0" smtClean="0"/>
-              <a:t>Table of Contents</a:t>
+              <a:t>Team members</a:t>
             </a:r>
             <a:endParaRPr lang="en-US" dirty="0"/>
           </a:p>
@@ -5415,59 +5548,222 @@
         </p:nvSpPr>
         <p:spPr>
           <a:xfrm>
-            <a:off x="228600" y="1352550"/>
-            <a:ext cx="8686800" cy="5353050"/>
+            <a:off x="228600" y="1669144"/>
+            <a:ext cx="8686800" cy="4905828"/>
           </a:xfrm>
         </p:spPr>
         <p:txBody>
           <a:bodyPr/>
           <a:lstStyle/>
           <a:p>
-            <a:r>
-              <a:rPr lang="en-US" dirty="0" smtClean="0"/>
-              <a:t>SVG Overview</a:t>
-            </a:r>
-          </a:p>
-          <a:p>
-            <a:r>
-              <a:rPr lang="en-US" dirty="0" smtClean="0"/>
-              <a:t>Vector Graphics Overview</a:t>
-            </a:r>
-          </a:p>
-          <a:p>
-            <a:r>
-              <a:rPr lang="en-US" dirty="0" smtClean="0"/>
-              <a:t>Basic SVG Shapes</a:t>
-            </a:r>
-          </a:p>
-          <a:p>
-            <a:pPr lvl="1"/>
-            <a:r>
-              <a:rPr lang="en-US" dirty="0" smtClean="0"/>
-              <a:t>Rectangular</a:t>
-            </a:r>
-            <a:endParaRPr lang="en-US" dirty="0"/>
-          </a:p>
-          <a:p>
-            <a:pPr lvl="1"/>
-            <a:r>
-              <a:rPr lang="en-US" dirty="0" smtClean="0"/>
-              <a:t>Ellipse</a:t>
-            </a:r>
-          </a:p>
-          <a:p>
-            <a:pPr lvl="1"/>
-            <a:r>
-              <a:rPr lang="en-US" dirty="0" smtClean="0"/>
-              <a:t>Path</a:t>
-            </a:r>
-            <a:endParaRPr lang="bg-BG" dirty="0"/>
-          </a:p>
-          <a:p>
-            <a:r>
-              <a:rPr lang="en-US" dirty="0" smtClean="0"/>
-              <a:t>Text</a:t>
-            </a:r>
+            <a:pPr lvl="0"/>
+            <a:r>
+              <a:rPr lang="en-US" dirty="0" err="1">
+                <a:effectLst/>
+              </a:rPr>
+              <a:t>Ventsislav</a:t>
+            </a:r>
+            <a:r>
+              <a:rPr lang="en-US" dirty="0">
+                <a:effectLst/>
+              </a:rPr>
+              <a:t> </a:t>
+            </a:r>
+            <a:r>
+              <a:rPr lang="en-US" dirty="0" err="1">
+                <a:effectLst/>
+              </a:rPr>
+              <a:t>Georgiev</a:t>
+            </a:r>
+            <a:r>
+              <a:rPr lang="en-US" dirty="0">
+                <a:effectLst/>
+              </a:rPr>
+              <a:t> (</a:t>
+            </a:r>
+            <a:r>
+              <a:rPr lang="en-US" dirty="0" err="1">
+                <a:effectLst/>
+              </a:rPr>
+              <a:t>ventsislav.georgiev</a:t>
+            </a:r>
+            <a:r>
+              <a:rPr lang="en-US" dirty="0">
+                <a:effectLst/>
+              </a:rPr>
+              <a:t>)</a:t>
+            </a:r>
+            <a:endParaRPr lang="bg-BG" dirty="0">
+              <a:effectLst/>
+            </a:endParaRPr>
+          </a:p>
+          <a:p>
+            <a:pPr lvl="0"/>
+            <a:r>
+              <a:rPr lang="en-US" dirty="0">
+                <a:effectLst/>
+              </a:rPr>
+              <a:t>Martin </a:t>
+            </a:r>
+            <a:r>
+              <a:rPr lang="en-US" dirty="0" err="1">
+                <a:effectLst/>
+              </a:rPr>
+              <a:t>Georgiev</a:t>
+            </a:r>
+            <a:r>
+              <a:rPr lang="en-US" dirty="0">
+                <a:effectLst/>
+              </a:rPr>
+              <a:t> (</a:t>
+            </a:r>
+            <a:r>
+              <a:rPr lang="en-US" dirty="0" err="1">
+                <a:effectLst/>
+              </a:rPr>
+              <a:t>martingeorgiev</a:t>
+            </a:r>
+            <a:r>
+              <a:rPr lang="en-US" dirty="0">
+                <a:effectLst/>
+              </a:rPr>
+              <a:t>)</a:t>
+            </a:r>
+            <a:endParaRPr lang="bg-BG" dirty="0">
+              <a:effectLst/>
+            </a:endParaRPr>
+          </a:p>
+          <a:p>
+            <a:pPr lvl="0"/>
+            <a:r>
+              <a:rPr lang="en-US" dirty="0" err="1">
+                <a:effectLst/>
+              </a:rPr>
+              <a:t>Katalina</a:t>
+            </a:r>
+            <a:r>
+              <a:rPr lang="en-US" dirty="0">
+                <a:effectLst/>
+              </a:rPr>
+              <a:t> </a:t>
+            </a:r>
+            <a:r>
+              <a:rPr lang="en-US" dirty="0" err="1">
+                <a:effectLst/>
+              </a:rPr>
+              <a:t>Dimitrova</a:t>
+            </a:r>
+            <a:r>
+              <a:rPr lang="en-US" dirty="0">
+                <a:effectLst/>
+              </a:rPr>
+              <a:t> (lina94)</a:t>
+            </a:r>
+            <a:endParaRPr lang="bg-BG" dirty="0">
+              <a:effectLst/>
+            </a:endParaRPr>
+          </a:p>
+          <a:p>
+            <a:pPr lvl="0"/>
+            <a:r>
+              <a:rPr lang="en-US" dirty="0" err="1">
+                <a:effectLst/>
+              </a:rPr>
+              <a:t>Radi</a:t>
+            </a:r>
+            <a:r>
+              <a:rPr lang="en-US" dirty="0">
+                <a:effectLst/>
+              </a:rPr>
+              <a:t> </a:t>
+            </a:r>
+            <a:r>
+              <a:rPr lang="en-US" dirty="0" err="1">
+                <a:effectLst/>
+              </a:rPr>
+              <a:t>Shikerov</a:t>
+            </a:r>
+            <a:r>
+              <a:rPr lang="en-US" dirty="0">
+                <a:effectLst/>
+              </a:rPr>
+              <a:t> (</a:t>
+            </a:r>
+            <a:r>
+              <a:rPr lang="en-US" dirty="0" err="1">
+                <a:effectLst/>
+              </a:rPr>
+              <a:t>archangelmichael</a:t>
+            </a:r>
+            <a:r>
+              <a:rPr lang="en-US" dirty="0">
+                <a:effectLst/>
+              </a:rPr>
+              <a:t>)</a:t>
+            </a:r>
+            <a:endParaRPr lang="bg-BG" dirty="0">
+              <a:effectLst/>
+            </a:endParaRPr>
+          </a:p>
+          <a:p>
+            <a:pPr lvl="0"/>
+            <a:r>
+              <a:rPr lang="en-US" dirty="0">
+                <a:effectLst/>
+              </a:rPr>
+              <a:t>Tancho </a:t>
+            </a:r>
+            <a:r>
+              <a:rPr lang="en-US" dirty="0" err="1">
+                <a:effectLst/>
+              </a:rPr>
+              <a:t>Mihov</a:t>
+            </a:r>
+            <a:r>
+              <a:rPr lang="en-US" dirty="0">
+                <a:effectLst/>
+              </a:rPr>
+              <a:t> (</a:t>
+            </a:r>
+            <a:r>
+              <a:rPr lang="en-US" dirty="0" err="1">
+                <a:effectLst/>
+              </a:rPr>
+              <a:t>tancho.mihov</a:t>
+            </a:r>
+            <a:r>
+              <a:rPr lang="en-US" dirty="0">
+                <a:effectLst/>
+              </a:rPr>
+              <a:t>)</a:t>
+            </a:r>
+            <a:endParaRPr lang="bg-BG" dirty="0">
+              <a:effectLst/>
+            </a:endParaRPr>
+          </a:p>
+          <a:p>
+            <a:pPr lvl="0"/>
+            <a:r>
+              <a:rPr lang="en-US" dirty="0">
+                <a:effectLst/>
+              </a:rPr>
+              <a:t>Ivan </a:t>
+            </a:r>
+            <a:r>
+              <a:rPr lang="en-US" dirty="0" err="1">
+                <a:effectLst/>
+              </a:rPr>
+              <a:t>Tochev</a:t>
+            </a:r>
+            <a:r>
+              <a:rPr lang="en-US" dirty="0">
+                <a:effectLst/>
+              </a:rPr>
+              <a:t> (ivan.tochev.18)</a:t>
+            </a:r>
+            <a:endParaRPr lang="bg-BG" dirty="0">
+              <a:effectLst/>
+            </a:endParaRPr>
           </a:p>
         </p:txBody>
       </p:sp>
@@ -5510,6 +5806,335 @@
       </p:grpSpPr>
       <p:sp>
         <p:nvSpPr>
+          <p:cNvPr id="2" name="Title 1"/>
+          <p:cNvSpPr>
+            <a:spLocks noGrp="1"/>
+          </p:cNvSpPr>
+          <p:nvPr>
+            <p:ph type="title"/>
+          </p:nvPr>
+        </p:nvSpPr>
+        <p:spPr>
+          <a:xfrm>
+            <a:off x="228600" y="830943"/>
+            <a:ext cx="8686800" cy="838200"/>
+          </a:xfrm>
+        </p:spPr>
+        <p:txBody>
+          <a:bodyPr/>
+          <a:lstStyle/>
+          <a:p>
+            <a:pPr algn="l"/>
+            <a:r>
+              <a:rPr lang="en-US" dirty="0"/>
+              <a:t>Project purpose</a:t>
+            </a:r>
+            <a:endParaRPr lang="en-US" dirty="0"/>
+          </a:p>
+        </p:txBody>
+      </p:sp>
+      <p:sp>
+        <p:nvSpPr>
+          <p:cNvPr id="3" name="Content Placeholder 2"/>
+          <p:cNvSpPr>
+            <a:spLocks noGrp="1"/>
+          </p:cNvSpPr>
+          <p:nvPr>
+            <p:ph idx="1"/>
+          </p:nvPr>
+        </p:nvSpPr>
+        <p:spPr>
+          <a:xfrm>
+            <a:off x="228600" y="1669144"/>
+            <a:ext cx="8686800" cy="4905828"/>
+          </a:xfrm>
+        </p:spPr>
+        <p:txBody>
+          <a:bodyPr/>
+          <a:lstStyle/>
+          <a:p>
+            <a:pPr lvl="0"/>
+            <a:r>
+              <a:rPr lang="en-US" dirty="0">
+                <a:effectLst/>
+              </a:rPr>
+              <a:t>Our project is an independent library which can be loaded on a given website. </a:t>
+            </a:r>
+            <a:endParaRPr lang="en-US" dirty="0" smtClean="0">
+              <a:effectLst/>
+            </a:endParaRPr>
+          </a:p>
+          <a:p>
+            <a:pPr lvl="0"/>
+            <a:r>
+              <a:rPr lang="en-US" dirty="0" smtClean="0">
+                <a:effectLst/>
+              </a:rPr>
+              <a:t>Its </a:t>
+            </a:r>
+            <a:r>
+              <a:rPr lang="en-US" dirty="0">
+                <a:effectLst/>
+              </a:rPr>
+              <a:t>purpose is to make the web page fun and dynamic as it adds fireworks to its background. </a:t>
+            </a:r>
+            <a:endParaRPr lang="en-US" dirty="0" smtClean="0">
+              <a:effectLst/>
+            </a:endParaRPr>
+          </a:p>
+          <a:p>
+            <a:pPr lvl="0"/>
+            <a:r>
+              <a:rPr lang="en-US" dirty="0" smtClean="0">
+                <a:effectLst/>
+              </a:rPr>
+              <a:t>The </a:t>
+            </a:r>
+            <a:r>
+              <a:rPr lang="en-US" dirty="0">
+                <a:effectLst/>
+              </a:rPr>
+              <a:t>user can change the appearance and the effects of the fireworks. </a:t>
+            </a:r>
+            <a:endParaRPr lang="bg-BG" dirty="0">
+              <a:effectLst/>
+            </a:endParaRPr>
+          </a:p>
+        </p:txBody>
+      </p:sp>
+    </p:spTree>
+    <p:extLst>
+      <p:ext uri="{BB962C8B-B14F-4D97-AF65-F5344CB8AC3E}">
+        <p14:creationId xmlns:p14="http://schemas.microsoft.com/office/powerpoint/2010/main" val="302847465"/>
+      </p:ext>
+    </p:extLst>
+  </p:cSld>
+  <p:clrMapOvr>
+    <a:masterClrMapping/>
+  </p:clrMapOvr>
+  <p:timing>
+    <p:tnLst>
+      <p:par>
+        <p:cTn id="1" dur="indefinite" restart="never" nodeType="tmRoot"/>
+      </p:par>
+    </p:tnLst>
+  </p:timing>
+</p:sld>
+</file>
+
+<file path=ppt/slides/slide4.xml><?xml version="1.0" encoding="utf-8"?>
+<p:sld xmlns:a="http://schemas.openxmlformats.org/drawingml/2006/main" xmlns:r="http://schemas.openxmlformats.org/officeDocument/2006/relationships" xmlns:p="http://schemas.openxmlformats.org/presentationml/2006/main">
+  <p:cSld>
+    <p:spTree>
+      <p:nvGrpSpPr>
+        <p:cNvPr id="1" name=""/>
+        <p:cNvGrpSpPr/>
+        <p:nvPr/>
+      </p:nvGrpSpPr>
+      <p:grpSpPr>
+        <a:xfrm>
+          <a:off x="0" y="0"/>
+          <a:ext cx="0" cy="0"/>
+          <a:chOff x="0" y="0"/>
+          <a:chExt cx="0" cy="0"/>
+        </a:xfrm>
+      </p:grpSpPr>
+      <p:sp>
+        <p:nvSpPr>
+          <p:cNvPr id="2" name="Title 1"/>
+          <p:cNvSpPr>
+            <a:spLocks noGrp="1"/>
+          </p:cNvSpPr>
+          <p:nvPr>
+            <p:ph type="title"/>
+          </p:nvPr>
+        </p:nvSpPr>
+        <p:spPr>
+          <a:xfrm>
+            <a:off x="228600" y="830943"/>
+            <a:ext cx="8686800" cy="838200"/>
+          </a:xfrm>
+        </p:spPr>
+        <p:txBody>
+          <a:bodyPr/>
+          <a:lstStyle/>
+          <a:p>
+            <a:pPr algn="l"/>
+            <a:r>
+              <a:rPr lang="en-US" dirty="0" smtClean="0"/>
+              <a:t>Preset effects</a:t>
+            </a:r>
+            <a:endParaRPr lang="en-US" dirty="0"/>
+          </a:p>
+        </p:txBody>
+      </p:sp>
+      <p:sp>
+        <p:nvSpPr>
+          <p:cNvPr id="3" name="Content Placeholder 2"/>
+          <p:cNvSpPr>
+            <a:spLocks noGrp="1"/>
+          </p:cNvSpPr>
+          <p:nvPr>
+            <p:ph idx="1"/>
+          </p:nvPr>
+        </p:nvSpPr>
+        <p:spPr>
+          <a:xfrm>
+            <a:off x="228600" y="1669144"/>
+            <a:ext cx="8686800" cy="4905828"/>
+          </a:xfrm>
+        </p:spPr>
+        <p:txBody>
+          <a:bodyPr/>
+          <a:lstStyle/>
+          <a:p>
+            <a:r>
+              <a:rPr lang="en-US" dirty="0" smtClean="0">
+                <a:effectLst/>
+              </a:rPr>
+              <a:t>Max </a:t>
+            </a:r>
+            <a:r>
+              <a:rPr lang="en-US" dirty="0">
+                <a:effectLst/>
+              </a:rPr>
+              <a:t>Gravity</a:t>
+            </a:r>
+            <a:endParaRPr lang="bg-BG" dirty="0">
+              <a:effectLst/>
+            </a:endParaRPr>
+          </a:p>
+          <a:p>
+            <a:r>
+              <a:rPr lang="en-US" dirty="0" smtClean="0">
+                <a:effectLst/>
+              </a:rPr>
+              <a:t>Inversed </a:t>
+            </a:r>
+            <a:r>
+              <a:rPr lang="en-US" dirty="0">
+                <a:effectLst/>
+              </a:rPr>
+              <a:t>Gravity</a:t>
+            </a:r>
+            <a:endParaRPr lang="bg-BG" dirty="0">
+              <a:effectLst/>
+            </a:endParaRPr>
+          </a:p>
+          <a:p>
+            <a:r>
+              <a:rPr lang="en-US" dirty="0" smtClean="0">
+                <a:effectLst/>
+              </a:rPr>
+              <a:t>Rocket </a:t>
+            </a:r>
+            <a:r>
+              <a:rPr lang="en-US" dirty="0">
+                <a:effectLst/>
+              </a:rPr>
+              <a:t>Launcher </a:t>
+            </a:r>
+            <a:endParaRPr lang="bg-BG" dirty="0">
+              <a:effectLst/>
+            </a:endParaRPr>
+          </a:p>
+          <a:p>
+            <a:r>
+              <a:rPr lang="en-US" dirty="0" smtClean="0">
+                <a:effectLst/>
+              </a:rPr>
+              <a:t>New </a:t>
+            </a:r>
+            <a:r>
+              <a:rPr lang="en-US" dirty="0">
+                <a:effectLst/>
+              </a:rPr>
+              <a:t>Year</a:t>
+            </a:r>
+            <a:endParaRPr lang="bg-BG" dirty="0">
+              <a:effectLst/>
+            </a:endParaRPr>
+          </a:p>
+          <a:p>
+            <a:r>
+              <a:rPr lang="en-US" dirty="0" smtClean="0">
+                <a:effectLst/>
+              </a:rPr>
+              <a:t>Distortion</a:t>
+            </a:r>
+            <a:endParaRPr lang="bg-BG" dirty="0">
+              <a:effectLst/>
+            </a:endParaRPr>
+          </a:p>
+          <a:p>
+            <a:r>
+              <a:rPr lang="en-US" dirty="0" smtClean="0">
+                <a:effectLst/>
+              </a:rPr>
+              <a:t>Exploding </a:t>
+            </a:r>
+            <a:r>
+              <a:rPr lang="en-US" dirty="0">
+                <a:effectLst/>
+              </a:rPr>
+              <a:t>Star</a:t>
+            </a:r>
+            <a:endParaRPr lang="bg-BG" dirty="0">
+              <a:effectLst/>
+            </a:endParaRPr>
+          </a:p>
+          <a:p>
+            <a:r>
+              <a:rPr lang="en-US" dirty="0" smtClean="0">
+                <a:effectLst/>
+              </a:rPr>
+              <a:t>Super Nova and more…</a:t>
+            </a:r>
+            <a:endParaRPr lang="bg-BG" dirty="0">
+              <a:effectLst/>
+            </a:endParaRPr>
+          </a:p>
+        </p:txBody>
+      </p:sp>
+    </p:spTree>
+    <p:extLst>
+      <p:ext uri="{BB962C8B-B14F-4D97-AF65-F5344CB8AC3E}">
+        <p14:creationId xmlns:p14="http://schemas.microsoft.com/office/powerpoint/2010/main" val="3498536274"/>
+      </p:ext>
+    </p:extLst>
+  </p:cSld>
+  <p:clrMapOvr>
+    <a:masterClrMapping/>
+  </p:clrMapOvr>
+  <p:timing>
+    <p:tnLst>
+      <p:par>
+        <p:cTn id="1" dur="indefinite" restart="never" nodeType="tmRoot"/>
+      </p:par>
+    </p:tnLst>
+  </p:timing>
+</p:sld>
+</file>
+
+<file path=ppt/slides/slide5.xml><?xml version="1.0" encoding="utf-8"?>
+<p:sld xmlns:a="http://schemas.openxmlformats.org/drawingml/2006/main" xmlns:r="http://schemas.openxmlformats.org/officeDocument/2006/relationships" xmlns:p="http://schemas.openxmlformats.org/presentationml/2006/main">
+  <p:cSld>
+    <p:spTree>
+      <p:nvGrpSpPr>
+        <p:cNvPr id="1" name=""/>
+        <p:cNvGrpSpPr/>
+        <p:nvPr/>
+      </p:nvGrpSpPr>
+      <p:grpSpPr>
+        <a:xfrm>
+          <a:off x="0" y="0"/>
+          <a:ext cx="0" cy="0"/>
+          <a:chOff x="0" y="0"/>
+          <a:chExt cx="0" cy="0"/>
+        </a:xfrm>
+      </p:grpSpPr>
+      <p:sp>
+        <p:nvSpPr>
           <p:cNvPr id="4" name="Title 3"/>
           <p:cNvSpPr>
             <a:spLocks noGrp="1"/>
@@ -5518,37 +6143,52 @@
             <p:ph type="ctrTitle"/>
           </p:nvPr>
         </p:nvSpPr>
-        <p:spPr/>
+        <p:spPr>
+          <a:xfrm>
+            <a:off x="609600" y="1959430"/>
+            <a:ext cx="7924800" cy="3468913"/>
+          </a:xfrm>
+        </p:spPr>
         <p:txBody>
           <a:bodyPr/>
           <a:lstStyle/>
           <a:p>
             <a:r>
+              <a:rPr lang="en-US" dirty="0" err="1" smtClean="0"/>
+              <a:t>Git</a:t>
+            </a:r>
+            <a:r>
+              <a:rPr lang="en-US" dirty="0"/>
+              <a:t> </a:t>
+            </a:r>
+            <a:r>
               <a:rPr lang="en-US" dirty="0" smtClean="0"/>
-              <a:t>SVG Overview</a:t>
-            </a:r>
-            <a:endParaRPr lang="en-US" dirty="0"/>
-          </a:p>
-        </p:txBody>
-      </p:sp>
-      <p:sp>
-        <p:nvSpPr>
-          <p:cNvPr id="5" name="Subtitle 4"/>
-          <p:cNvSpPr>
-            <a:spLocks noGrp="1"/>
-          </p:cNvSpPr>
-          <p:nvPr>
-            <p:ph type="subTitle" idx="1"/>
-          </p:nvPr>
-        </p:nvSpPr>
-        <p:spPr/>
-        <p:txBody>
-          <a:bodyPr/>
-          <a:lstStyle/>
-          <a:p>
-            <a:r>
+              <a:t>Hub</a:t>
+            </a:r>
+            <a:br>
               <a:rPr lang="en-US" dirty="0" smtClean="0"/>
-              <a:t>What is SVG?</a:t>
+            </a:br>
+            <a:r>
+              <a:rPr lang="en-US" dirty="0"/>
+              <a:t/>
+            </a:r>
+            <a:br>
+              <a:rPr lang="en-US" dirty="0"/>
+            </a:br>
+            <a:r>
+              <a:rPr lang="en-US" dirty="0"/>
+              <a:t>https://github.com</a:t>
+            </a:r>
+            <a:r>
+              <a:rPr lang="en-US" dirty="0" smtClean="0"/>
+              <a:t>/</a:t>
+            </a:r>
+            <a:br>
+              <a:rPr lang="en-US" dirty="0" smtClean="0"/>
+            </a:br>
+            <a:r>
+              <a:rPr lang="en-US" dirty="0" smtClean="0"/>
+              <a:t>JS2014TeamDaegon</a:t>
             </a:r>
             <a:endParaRPr lang="en-US" dirty="0"/>
           </a:p>

--- a/Presentation.pptx
+++ b/Presentation.pptx
@@ -5,14 +5,17 @@
     <p:sldMasterId id="2147483666" r:id="rId1"/>
   </p:sldMasterIdLst>
   <p:notesMasterIdLst>
-    <p:notesMasterId r:id="rId7"/>
+    <p:notesMasterId r:id="rId10"/>
   </p:notesMasterIdLst>
   <p:sldIdLst>
     <p:sldId id="308" r:id="rId2"/>
     <p:sldId id="257" r:id="rId3"/>
     <p:sldId id="309" r:id="rId4"/>
     <p:sldId id="310" r:id="rId5"/>
-    <p:sldId id="285" r:id="rId6"/>
+    <p:sldId id="311" r:id="rId6"/>
+    <p:sldId id="312" r:id="rId7"/>
+    <p:sldId id="313" r:id="rId8"/>
+    <p:sldId id="285" r:id="rId9"/>
   </p:sldIdLst>
   <p:sldSz cx="9144000" cy="6858000" type="screen4x3"/>
   <p:notesSz cx="6858000" cy="9144000"/>
@@ -5829,7 +5832,6 @@
               <a:rPr lang="en-US" dirty="0"/>
               <a:t>Project purpose</a:t>
             </a:r>
-            <a:endParaRPr lang="en-US" dirty="0"/>
           </a:p>
         </p:txBody>
       </p:sp>
@@ -6117,6 +6119,514 @@
 </file>
 
 <file path=ppt/slides/slide5.xml><?xml version="1.0" encoding="utf-8"?>
+<p:sld xmlns:a="http://schemas.openxmlformats.org/drawingml/2006/main" xmlns:r="http://schemas.openxmlformats.org/officeDocument/2006/relationships" xmlns:p="http://schemas.openxmlformats.org/presentationml/2006/main">
+  <p:cSld>
+    <p:spTree>
+      <p:nvGrpSpPr>
+        <p:cNvPr id="1" name=""/>
+        <p:cNvGrpSpPr/>
+        <p:nvPr/>
+      </p:nvGrpSpPr>
+      <p:grpSpPr>
+        <a:xfrm>
+          <a:off x="0" y="0"/>
+          <a:ext cx="0" cy="0"/>
+          <a:chOff x="0" y="0"/>
+          <a:chExt cx="0" cy="0"/>
+        </a:xfrm>
+      </p:grpSpPr>
+      <p:sp>
+        <p:nvSpPr>
+          <p:cNvPr id="2" name="Title 1"/>
+          <p:cNvSpPr>
+            <a:spLocks noGrp="1"/>
+          </p:cNvSpPr>
+          <p:nvPr>
+            <p:ph type="title"/>
+          </p:nvPr>
+        </p:nvSpPr>
+        <p:spPr>
+          <a:xfrm>
+            <a:off x="228600" y="830943"/>
+            <a:ext cx="8686800" cy="838200"/>
+          </a:xfrm>
+        </p:spPr>
+        <p:txBody>
+          <a:bodyPr/>
+          <a:lstStyle/>
+          <a:p>
+            <a:pPr algn="l"/>
+            <a:r>
+              <a:rPr lang="en-US" dirty="0" smtClean="0"/>
+              <a:t>Options							1/3</a:t>
+            </a:r>
+            <a:endParaRPr lang="en-US" dirty="0"/>
+          </a:p>
+        </p:txBody>
+      </p:sp>
+      <p:sp>
+        <p:nvSpPr>
+          <p:cNvPr id="3" name="Content Placeholder 2"/>
+          <p:cNvSpPr>
+            <a:spLocks noGrp="1"/>
+          </p:cNvSpPr>
+          <p:nvPr>
+            <p:ph idx="1"/>
+          </p:nvPr>
+        </p:nvSpPr>
+        <p:spPr>
+          <a:xfrm>
+            <a:off x="228600" y="1669144"/>
+            <a:ext cx="8686800" cy="4905828"/>
+          </a:xfrm>
+        </p:spPr>
+        <p:txBody>
+          <a:bodyPr/>
+          <a:lstStyle/>
+          <a:p>
+            <a:r>
+              <a:rPr lang="en-US" dirty="0">
+                <a:effectLst/>
+              </a:rPr>
+              <a:t>Greeting</a:t>
+            </a:r>
+            <a:endParaRPr lang="bg-BG" dirty="0">
+              <a:effectLst/>
+            </a:endParaRPr>
+          </a:p>
+          <a:p>
+            <a:r>
+              <a:rPr lang="en-US" dirty="0">
+                <a:effectLst/>
+              </a:rPr>
+              <a:t>Line</a:t>
+            </a:r>
+            <a:endParaRPr lang="bg-BG" dirty="0">
+              <a:effectLst/>
+            </a:endParaRPr>
+          </a:p>
+          <a:p>
+            <a:pPr lvl="1"/>
+            <a:r>
+              <a:rPr lang="en-US" dirty="0">
+                <a:effectLst/>
+              </a:rPr>
+              <a:t>Width</a:t>
+            </a:r>
+            <a:endParaRPr lang="bg-BG" dirty="0">
+              <a:effectLst/>
+            </a:endParaRPr>
+          </a:p>
+          <a:p>
+            <a:pPr lvl="1"/>
+            <a:r>
+              <a:rPr lang="en-US" dirty="0">
+                <a:effectLst/>
+              </a:rPr>
+              <a:t>Shadow</a:t>
+            </a:r>
+            <a:endParaRPr lang="bg-BG" dirty="0">
+              <a:effectLst/>
+            </a:endParaRPr>
+          </a:p>
+          <a:p>
+            <a:r>
+              <a:rPr lang="en-US" dirty="0">
+                <a:effectLst/>
+              </a:rPr>
+              <a:t>Timings</a:t>
+            </a:r>
+            <a:endParaRPr lang="bg-BG" dirty="0">
+              <a:effectLst/>
+            </a:endParaRPr>
+          </a:p>
+          <a:p>
+            <a:pPr lvl="1"/>
+            <a:r>
+              <a:rPr lang="en-US" dirty="0">
+                <a:effectLst/>
+              </a:rPr>
+              <a:t>Timer Total</a:t>
+            </a:r>
+            <a:endParaRPr lang="bg-BG" dirty="0">
+              <a:effectLst/>
+            </a:endParaRPr>
+          </a:p>
+          <a:p>
+            <a:pPr lvl="1"/>
+            <a:r>
+              <a:rPr lang="en-US" dirty="0">
+                <a:effectLst/>
+              </a:rPr>
+              <a:t>Timer Tick</a:t>
+            </a:r>
+            <a:endParaRPr lang="bg-BG" dirty="0">
+              <a:effectLst/>
+            </a:endParaRPr>
+          </a:p>
+        </p:txBody>
+      </p:sp>
+    </p:spTree>
+    <p:extLst>
+      <p:ext uri="{BB962C8B-B14F-4D97-AF65-F5344CB8AC3E}">
+        <p14:creationId xmlns:p14="http://schemas.microsoft.com/office/powerpoint/2010/main" val="2803695186"/>
+      </p:ext>
+    </p:extLst>
+  </p:cSld>
+  <p:clrMapOvr>
+    <a:masterClrMapping/>
+  </p:clrMapOvr>
+  <p:timing>
+    <p:tnLst>
+      <p:par>
+        <p:cTn id="1" dur="indefinite" restart="never" nodeType="tmRoot"/>
+      </p:par>
+    </p:tnLst>
+  </p:timing>
+</p:sld>
+</file>
+
+<file path=ppt/slides/slide6.xml><?xml version="1.0" encoding="utf-8"?>
+<p:sld xmlns:a="http://schemas.openxmlformats.org/drawingml/2006/main" xmlns:r="http://schemas.openxmlformats.org/officeDocument/2006/relationships" xmlns:p="http://schemas.openxmlformats.org/presentationml/2006/main">
+  <p:cSld>
+    <p:spTree>
+      <p:nvGrpSpPr>
+        <p:cNvPr id="1" name=""/>
+        <p:cNvGrpSpPr/>
+        <p:nvPr/>
+      </p:nvGrpSpPr>
+      <p:grpSpPr>
+        <a:xfrm>
+          <a:off x="0" y="0"/>
+          <a:ext cx="0" cy="0"/>
+          <a:chOff x="0" y="0"/>
+          <a:chExt cx="0" cy="0"/>
+        </a:xfrm>
+      </p:grpSpPr>
+      <p:sp>
+        <p:nvSpPr>
+          <p:cNvPr id="2" name="Title 1"/>
+          <p:cNvSpPr>
+            <a:spLocks noGrp="1"/>
+          </p:cNvSpPr>
+          <p:nvPr>
+            <p:ph type="title"/>
+          </p:nvPr>
+        </p:nvSpPr>
+        <p:spPr>
+          <a:xfrm>
+            <a:off x="228600" y="830943"/>
+            <a:ext cx="8686800" cy="838200"/>
+          </a:xfrm>
+        </p:spPr>
+        <p:txBody>
+          <a:bodyPr/>
+          <a:lstStyle/>
+          <a:p>
+            <a:pPr algn="l"/>
+            <a:r>
+              <a:rPr lang="en-US" dirty="0"/>
+              <a:t>Options				</a:t>
+            </a:r>
+            <a:r>
+              <a:rPr lang="en-US" dirty="0" smtClean="0"/>
+              <a:t>	</a:t>
+            </a:r>
+            <a:r>
+              <a:rPr lang="en-US" dirty="0"/>
+              <a:t>		</a:t>
+            </a:r>
+            <a:r>
+              <a:rPr lang="en-US" dirty="0" smtClean="0"/>
+              <a:t>2/3</a:t>
+            </a:r>
+            <a:endParaRPr lang="en-US" dirty="0"/>
+          </a:p>
+        </p:txBody>
+      </p:sp>
+      <p:sp>
+        <p:nvSpPr>
+          <p:cNvPr id="3" name="Content Placeholder 2"/>
+          <p:cNvSpPr>
+            <a:spLocks noGrp="1"/>
+          </p:cNvSpPr>
+          <p:nvPr>
+            <p:ph idx="1"/>
+          </p:nvPr>
+        </p:nvSpPr>
+        <p:spPr>
+          <a:xfrm>
+            <a:off x="228600" y="1669144"/>
+            <a:ext cx="8686800" cy="4905828"/>
+          </a:xfrm>
+        </p:spPr>
+        <p:txBody>
+          <a:bodyPr/>
+          <a:lstStyle/>
+          <a:p>
+            <a:r>
+              <a:rPr lang="en-US" dirty="0">
+                <a:effectLst/>
+              </a:rPr>
+              <a:t>Firework</a:t>
+            </a:r>
+            <a:endParaRPr lang="bg-BG" dirty="0">
+              <a:effectLst/>
+            </a:endParaRPr>
+          </a:p>
+          <a:p>
+            <a:pPr lvl="1"/>
+            <a:r>
+              <a:rPr lang="en-US" dirty="0">
+                <a:effectLst/>
+              </a:rPr>
+              <a:t>Trail</a:t>
+            </a:r>
+            <a:endParaRPr lang="bg-BG" dirty="0">
+              <a:effectLst/>
+            </a:endParaRPr>
+          </a:p>
+          <a:p>
+            <a:pPr lvl="1"/>
+            <a:r>
+              <a:rPr lang="en-US" dirty="0">
+                <a:effectLst/>
+              </a:rPr>
+              <a:t>Speed</a:t>
+            </a:r>
+            <a:endParaRPr lang="bg-BG" dirty="0">
+              <a:effectLst/>
+            </a:endParaRPr>
+          </a:p>
+          <a:p>
+            <a:pPr lvl="1"/>
+            <a:r>
+              <a:rPr lang="en-US" dirty="0">
+                <a:effectLst/>
+              </a:rPr>
+              <a:t>Acceleration</a:t>
+            </a:r>
+            <a:endParaRPr lang="bg-BG" dirty="0">
+              <a:effectLst/>
+            </a:endParaRPr>
+          </a:p>
+          <a:p>
+            <a:pPr lvl="1"/>
+            <a:r>
+              <a:rPr lang="en-US" dirty="0">
+                <a:effectLst/>
+              </a:rPr>
+              <a:t>Target Radius</a:t>
+            </a:r>
+            <a:endParaRPr lang="bg-BG" dirty="0">
+              <a:effectLst/>
+            </a:endParaRPr>
+          </a:p>
+          <a:p>
+            <a:pPr lvl="1"/>
+            <a:r>
+              <a:rPr lang="en-US" dirty="0">
+                <a:effectLst/>
+              </a:rPr>
+              <a:t>Show Target</a:t>
+            </a:r>
+            <a:endParaRPr lang="bg-BG" dirty="0">
+              <a:effectLst/>
+            </a:endParaRPr>
+          </a:p>
+        </p:txBody>
+      </p:sp>
+    </p:spTree>
+    <p:extLst>
+      <p:ext uri="{BB962C8B-B14F-4D97-AF65-F5344CB8AC3E}">
+        <p14:creationId xmlns:p14="http://schemas.microsoft.com/office/powerpoint/2010/main" val="1222271389"/>
+      </p:ext>
+    </p:extLst>
+  </p:cSld>
+  <p:clrMapOvr>
+    <a:masterClrMapping/>
+  </p:clrMapOvr>
+  <p:timing>
+    <p:tnLst>
+      <p:par>
+        <p:cTn id="1" dur="indefinite" restart="never" nodeType="tmRoot"/>
+      </p:par>
+    </p:tnLst>
+  </p:timing>
+</p:sld>
+</file>
+
+<file path=ppt/slides/slide7.xml><?xml version="1.0" encoding="utf-8"?>
+<p:sld xmlns:a="http://schemas.openxmlformats.org/drawingml/2006/main" xmlns:r="http://schemas.openxmlformats.org/officeDocument/2006/relationships" xmlns:p="http://schemas.openxmlformats.org/presentationml/2006/main">
+  <p:cSld>
+    <p:spTree>
+      <p:nvGrpSpPr>
+        <p:cNvPr id="1" name=""/>
+        <p:cNvGrpSpPr/>
+        <p:nvPr/>
+      </p:nvGrpSpPr>
+      <p:grpSpPr>
+        <a:xfrm>
+          <a:off x="0" y="0"/>
+          <a:ext cx="0" cy="0"/>
+          <a:chOff x="0" y="0"/>
+          <a:chExt cx="0" cy="0"/>
+        </a:xfrm>
+      </p:grpSpPr>
+      <p:sp>
+        <p:nvSpPr>
+          <p:cNvPr id="2" name="Title 1"/>
+          <p:cNvSpPr>
+            <a:spLocks noGrp="1"/>
+          </p:cNvSpPr>
+          <p:nvPr>
+            <p:ph type="title"/>
+          </p:nvPr>
+        </p:nvSpPr>
+        <p:spPr>
+          <a:xfrm>
+            <a:off x="228600" y="830943"/>
+            <a:ext cx="8686800" cy="838200"/>
+          </a:xfrm>
+        </p:spPr>
+        <p:txBody>
+          <a:bodyPr/>
+          <a:lstStyle/>
+          <a:p>
+            <a:pPr algn="l"/>
+            <a:r>
+              <a:rPr lang="en-US" dirty="0"/>
+              <a:t>Options			</a:t>
+            </a:r>
+            <a:r>
+              <a:rPr lang="en-US" dirty="0" smtClean="0"/>
+              <a:t>	</a:t>
+            </a:r>
+            <a:r>
+              <a:rPr lang="en-US" dirty="0"/>
+              <a:t>			</a:t>
+            </a:r>
+            <a:r>
+              <a:rPr lang="en-US" dirty="0" smtClean="0"/>
+              <a:t>3/3</a:t>
+            </a:r>
+            <a:endParaRPr lang="en-US" dirty="0"/>
+          </a:p>
+        </p:txBody>
+      </p:sp>
+      <p:sp>
+        <p:nvSpPr>
+          <p:cNvPr id="3" name="Content Placeholder 2"/>
+          <p:cNvSpPr>
+            <a:spLocks noGrp="1"/>
+          </p:cNvSpPr>
+          <p:nvPr>
+            <p:ph idx="1"/>
+          </p:nvPr>
+        </p:nvSpPr>
+        <p:spPr>
+          <a:xfrm>
+            <a:off x="228600" y="1669144"/>
+            <a:ext cx="8686800" cy="4905828"/>
+          </a:xfrm>
+        </p:spPr>
+        <p:txBody>
+          <a:bodyPr/>
+          <a:lstStyle/>
+          <a:p>
+            <a:r>
+              <a:rPr lang="en-US" dirty="0">
+                <a:effectLst/>
+              </a:rPr>
+              <a:t>Particle</a:t>
+            </a:r>
+            <a:endParaRPr lang="bg-BG" dirty="0">
+              <a:effectLst/>
+            </a:endParaRPr>
+          </a:p>
+          <a:p>
+            <a:pPr lvl="1"/>
+            <a:r>
+              <a:rPr lang="en-US" dirty="0">
+                <a:effectLst/>
+              </a:rPr>
+              <a:t>Trail</a:t>
+            </a:r>
+            <a:endParaRPr lang="bg-BG" dirty="0">
+              <a:effectLst/>
+            </a:endParaRPr>
+          </a:p>
+          <a:p>
+            <a:pPr lvl="1"/>
+            <a:r>
+              <a:rPr lang="en-US" dirty="0">
+                <a:effectLst/>
+              </a:rPr>
+              <a:t>Count</a:t>
+            </a:r>
+            <a:endParaRPr lang="bg-BG" dirty="0">
+              <a:effectLst/>
+            </a:endParaRPr>
+          </a:p>
+          <a:p>
+            <a:pPr lvl="1"/>
+            <a:r>
+              <a:rPr lang="en-US" dirty="0">
+                <a:effectLst/>
+              </a:rPr>
+              <a:t>Friction</a:t>
+            </a:r>
+            <a:endParaRPr lang="bg-BG" dirty="0">
+              <a:effectLst/>
+            </a:endParaRPr>
+          </a:p>
+          <a:p>
+            <a:pPr lvl="1"/>
+            <a:r>
+              <a:rPr lang="en-US" dirty="0">
+                <a:effectLst/>
+              </a:rPr>
+              <a:t>Gravity</a:t>
+            </a:r>
+            <a:endParaRPr lang="bg-BG" dirty="0">
+              <a:effectLst/>
+            </a:endParaRPr>
+          </a:p>
+          <a:p>
+            <a:pPr lvl="1"/>
+            <a:r>
+              <a:rPr lang="en-US" dirty="0">
+                <a:effectLst/>
+              </a:rPr>
+              <a:t>Alpha</a:t>
+            </a:r>
+            <a:endParaRPr lang="bg-BG" dirty="0">
+              <a:effectLst/>
+            </a:endParaRPr>
+          </a:p>
+        </p:txBody>
+      </p:sp>
+    </p:spTree>
+    <p:extLst>
+      <p:ext uri="{BB962C8B-B14F-4D97-AF65-F5344CB8AC3E}">
+        <p14:creationId xmlns:p14="http://schemas.microsoft.com/office/powerpoint/2010/main" val="2005377953"/>
+      </p:ext>
+    </p:extLst>
+  </p:cSld>
+  <p:clrMapOvr>
+    <a:masterClrMapping/>
+  </p:clrMapOvr>
+  <p:timing>
+    <p:tnLst>
+      <p:par>
+        <p:cTn id="1" dur="indefinite" restart="never" nodeType="tmRoot"/>
+      </p:par>
+    </p:tnLst>
+  </p:timing>
+</p:sld>
+</file>
+
+<file path=ppt/slides/slide8.xml><?xml version="1.0" encoding="utf-8"?>
 <p:sld xmlns:a="http://schemas.openxmlformats.org/drawingml/2006/main" xmlns:r="http://schemas.openxmlformats.org/officeDocument/2006/relationships" xmlns:p="http://schemas.openxmlformats.org/presentationml/2006/main">
   <p:cSld>
     <p:spTree>

--- a/Presentation.pptx
+++ b/Presentation.pptx
@@ -116,7 +116,7 @@
   </p:defaultTextStyle>
   <p:extLst>
     <p:ext uri="{EFAFB233-063F-42B5-8137-9DF3F51BA10A}">
-      <p15:sldGuideLst xmlns:p15="http://schemas.microsoft.com/office/powerpoint/2012/main">
+      <p15:sldGuideLst xmlns:p15="http://schemas.microsoft.com/office/powerpoint/2012/main" xmlns="">
         <p15:guide id="1" orient="horz" pos="2160">
           <p15:clr>
             <a:srgbClr val="A4A3A4"/>
@@ -5990,109 +5990,154 @@
           <a:bodyPr/>
           <a:lstStyle/>
           <a:p>
-            <a:r>
-              <a:rPr lang="en-US" dirty="0" smtClean="0">
-                <a:effectLst/>
-              </a:rPr>
-              <a:t>Max </a:t>
-            </a:r>
-            <a:r>
-              <a:rPr lang="en-US" dirty="0">
+            <a:pPr>
+              <a:lnSpc>
+                <a:spcPct val="100000"/>
+              </a:lnSpc>
+            </a:pPr>
+            <a:r>
+              <a:rPr lang="en-US" sz="3000" dirty="0">
+                <a:effectLst/>
+              </a:rPr>
+              <a:t>Super </a:t>
+            </a:r>
+            <a:r>
+              <a:rPr lang="en-US" sz="3000" dirty="0" smtClean="0">
+                <a:effectLst/>
+              </a:rPr>
+              <a:t>Sonic</a:t>
+            </a:r>
+          </a:p>
+          <a:p>
+            <a:pPr>
+              <a:lnSpc>
+                <a:spcPct val="100000"/>
+              </a:lnSpc>
+            </a:pPr>
+            <a:r>
+              <a:rPr lang="en-US" sz="3000" dirty="0" smtClean="0">
+                <a:effectLst/>
+              </a:rPr>
+              <a:t>Rain Effect</a:t>
+            </a:r>
+          </a:p>
+          <a:p>
+            <a:pPr>
+              <a:lnSpc>
+                <a:spcPct val="100000"/>
+              </a:lnSpc>
+            </a:pPr>
+            <a:r>
+              <a:rPr lang="en-US" sz="3000" dirty="0" smtClean="0">
+                <a:effectLst/>
+              </a:rPr>
+              <a:t>Inversed </a:t>
+            </a:r>
+            <a:r>
+              <a:rPr lang="en-US" sz="3000" dirty="0">
                 <a:effectLst/>
               </a:rPr>
               <a:t>Gravity</a:t>
             </a:r>
-            <a:endParaRPr lang="bg-BG" dirty="0">
+            <a:endParaRPr lang="bg-BG" sz="3000" dirty="0">
               <a:effectLst/>
             </a:endParaRPr>
           </a:p>
           <a:p>
-            <a:r>
-              <a:rPr lang="en-US" dirty="0" smtClean="0">
-                <a:effectLst/>
-              </a:rPr>
-              <a:t>Inversed </a:t>
-            </a:r>
-            <a:r>
-              <a:rPr lang="en-US" dirty="0">
-                <a:effectLst/>
-              </a:rPr>
-              <a:t>Gravity</a:t>
-            </a:r>
-            <a:endParaRPr lang="bg-BG" dirty="0">
+            <a:pPr>
+              <a:lnSpc>
+                <a:spcPct val="100000"/>
+              </a:lnSpc>
+            </a:pPr>
+            <a:r>
+              <a:rPr lang="en-US" sz="3000" dirty="0" smtClean="0">
+                <a:effectLst/>
+              </a:rPr>
+              <a:t>Rocket </a:t>
+            </a:r>
+            <a:r>
+              <a:rPr lang="en-US" sz="3000" dirty="0">
+                <a:effectLst/>
+              </a:rPr>
+              <a:t>Launcher </a:t>
+            </a:r>
+            <a:endParaRPr lang="bg-BG" sz="3000" dirty="0">
               <a:effectLst/>
             </a:endParaRPr>
           </a:p>
           <a:p>
-            <a:r>
-              <a:rPr lang="en-US" dirty="0" smtClean="0">
-                <a:effectLst/>
-              </a:rPr>
-              <a:t>Rocket </a:t>
-            </a:r>
-            <a:r>
-              <a:rPr lang="en-US" dirty="0">
-                <a:effectLst/>
-              </a:rPr>
-              <a:t>Launcher </a:t>
-            </a:r>
-            <a:endParaRPr lang="bg-BG" dirty="0">
+            <a:pPr>
+              <a:lnSpc>
+                <a:spcPct val="100000"/>
+              </a:lnSpc>
+            </a:pPr>
+            <a:r>
+              <a:rPr lang="en-US" sz="3000" dirty="0" smtClean="0">
+                <a:effectLst/>
+              </a:rPr>
+              <a:t>New </a:t>
+            </a:r>
+            <a:r>
+              <a:rPr lang="en-US" sz="3000" dirty="0">
+                <a:effectLst/>
+              </a:rPr>
+              <a:t>Year</a:t>
+            </a:r>
+            <a:endParaRPr lang="bg-BG" sz="3000" dirty="0">
               <a:effectLst/>
             </a:endParaRPr>
           </a:p>
           <a:p>
-            <a:r>
-              <a:rPr lang="en-US" dirty="0" smtClean="0">
-                <a:effectLst/>
-              </a:rPr>
-              <a:t>New </a:t>
-            </a:r>
-            <a:r>
-              <a:rPr lang="en-US" dirty="0">
-                <a:effectLst/>
-              </a:rPr>
-              <a:t>Year</a:t>
-            </a:r>
-            <a:endParaRPr lang="bg-BG" dirty="0">
+            <a:pPr>
+              <a:lnSpc>
+                <a:spcPct val="100000"/>
+              </a:lnSpc>
+            </a:pPr>
+            <a:r>
+              <a:rPr lang="en-US" sz="3000" dirty="0" smtClean="0">
+                <a:effectLst/>
+              </a:rPr>
+              <a:t>Distortion</a:t>
+            </a:r>
+            <a:endParaRPr lang="bg-BG" sz="3000" dirty="0">
               <a:effectLst/>
             </a:endParaRPr>
           </a:p>
           <a:p>
-            <a:r>
-              <a:rPr lang="en-US" dirty="0" smtClean="0">
-                <a:effectLst/>
-              </a:rPr>
-              <a:t>Distortion</a:t>
-            </a:r>
-            <a:endParaRPr lang="bg-BG" dirty="0">
+            <a:pPr>
+              <a:lnSpc>
+                <a:spcPct val="100000"/>
+              </a:lnSpc>
+            </a:pPr>
+            <a:r>
+              <a:rPr lang="en-US" sz="3000" dirty="0" smtClean="0">
+                <a:effectLst/>
+              </a:rPr>
+              <a:t>Exploding </a:t>
+            </a:r>
+            <a:r>
+              <a:rPr lang="en-US" sz="3000" dirty="0">
+                <a:effectLst/>
+              </a:rPr>
+              <a:t>Star</a:t>
+            </a:r>
+            <a:endParaRPr lang="bg-BG" sz="3000" dirty="0">
               <a:effectLst/>
             </a:endParaRPr>
           </a:p>
           <a:p>
-            <a:r>
-              <a:rPr lang="en-US" dirty="0" smtClean="0">
-                <a:effectLst/>
-              </a:rPr>
-              <a:t>Exploding </a:t>
-            </a:r>
-            <a:r>
-              <a:rPr lang="en-US" dirty="0">
-                <a:effectLst/>
-              </a:rPr>
-              <a:t>Star</a:t>
-            </a:r>
-            <a:endParaRPr lang="bg-BG" dirty="0">
-              <a:effectLst/>
-            </a:endParaRPr>
-          </a:p>
-          <a:p>
-            <a:r>
-              <a:rPr lang="en-US" dirty="0" smtClean="0">
+            <a:pPr>
+              <a:lnSpc>
+                <a:spcPct val="100000"/>
+              </a:lnSpc>
+            </a:pPr>
+            <a:r>
+              <a:rPr lang="en-US" sz="3000" dirty="0" smtClean="0">
                 <a:effectLst/>
               </a:rPr>
               <a:t>Super Nova and more…</a:t>
             </a:r>
-            <a:endParaRPr lang="bg-BG" dirty="0">
+            <a:endParaRPr lang="bg-BG" sz="3000" dirty="0">
               <a:effectLst/>
             </a:endParaRPr>
           </a:p>
@@ -6246,19 +6291,13 @@
               <a:rPr lang="en-US" dirty="0">
                 <a:effectLst/>
               </a:rPr>
-              <a:t>Timer Total</a:t>
-            </a:r>
-            <a:endParaRPr lang="bg-BG" dirty="0">
-              <a:effectLst/>
-            </a:endParaRPr>
-          </a:p>
-          <a:p>
-            <a:pPr lvl="1"/>
-            <a:r>
-              <a:rPr lang="en-US" dirty="0">
-                <a:effectLst/>
-              </a:rPr>
-              <a:t>Timer Tick</a:t>
+              <a:t>Timer </a:t>
+            </a:r>
+            <a:r>
+              <a:rPr lang="en-US" dirty="0" smtClean="0">
+                <a:effectLst/>
+              </a:rPr>
+              <a:t>Total</a:t>
             </a:r>
             <a:endParaRPr lang="bg-BG" dirty="0">
               <a:effectLst/>
@@ -7040,7 +7079,7 @@
   <a:extraClrSchemeLst/>
   <a:extLst>
     <a:ext uri="{05A4C25C-085E-4340-85A3-A5531E510DB2}">
-      <thm15:themeFamily xmlns:thm15="http://schemas.microsoft.com/office/thememl/2012/main" name="Telerik Academy theme" id="{2620D71C-A5FD-46E0-A488-16D4CF22AEE2}" vid="{F028A4D3-6851-4D6D-A82D-72CBFB9A818D}"/>
+      <thm15:themeFamily xmlns:thm15="http://schemas.microsoft.com/office/thememl/2012/main" xmlns="" name="Telerik Academy theme" id="{2620D71C-A5FD-46E0-A488-16D4CF22AEE2}" vid="{F028A4D3-6851-4D6D-A82D-72CBFB9A818D}"/>
     </a:ext>
   </a:extLst>
 </a:theme>
@@ -7301,7 +7340,7 @@
   <a:extraClrSchemeLst/>
   <a:extLst>
     <a:ext uri="{05A4C25C-085E-4340-85A3-A5531E510DB2}">
-      <thm15:themeFamily xmlns:thm15="http://schemas.microsoft.com/office/thememl/2012/main" name="Office Theme" id="{62F939B6-93AF-4DB8-9C6B-D6C7DFDC589F}" vid="{4A3C46E8-61CC-4603-A589-7422A47A8E4A}"/>
+      <thm15:themeFamily xmlns:thm15="http://schemas.microsoft.com/office/thememl/2012/main" xmlns="" name="Office Theme" id="{62F939B6-93AF-4DB8-9C6B-D6C7DFDC589F}" vid="{4A3C46E8-61CC-4603-A589-7422A47A8E4A}"/>
     </a:ext>
   </a:extLst>
 </a:theme>
